--- a/Shine My Room.pptx
+++ b/Shine My Room.pptx
@@ -312,7 +312,7 @@
           <a:p>
             <a:fld id="{4AAD347D-5ACD-4C99-B74B-A9C85AD731AF}" type="datetimeFigureOut">
               <a:rPr lang="en-US" dirty="0"/>
-              <a:t>6/11/2017</a:t>
+              <a:t>6/12/2017</a:t>
             </a:fld>
             <a:endParaRPr lang="en-US" dirty="0"/>
           </a:p>
@@ -582,7 +582,7 @@
           <a:p>
             <a:fld id="{4509A250-FF31-4206-8172-F9D3106AACB1}" type="datetimeFigureOut">
               <a:rPr lang="en-US" dirty="0"/>
-              <a:t>6/11/2017</a:t>
+              <a:t>6/12/2017</a:t>
             </a:fld>
             <a:endParaRPr lang="en-US" dirty="0"/>
           </a:p>
@@ -771,7 +771,7 @@
           <a:p>
             <a:fld id="{4509A250-FF31-4206-8172-F9D3106AACB1}" type="datetimeFigureOut">
               <a:rPr lang="en-US" dirty="0"/>
-              <a:t>6/11/2017</a:t>
+              <a:t>6/12/2017</a:t>
             </a:fld>
             <a:endParaRPr lang="en-US" dirty="0"/>
           </a:p>
@@ -1039,7 +1039,7 @@
           <a:p>
             <a:fld id="{4509A250-FF31-4206-8172-F9D3106AACB1}" type="datetimeFigureOut">
               <a:rPr lang="en-US" dirty="0"/>
-              <a:t>6/11/2017</a:t>
+              <a:t>6/12/2017</a:t>
             </a:fld>
             <a:endParaRPr lang="en-US" dirty="0"/>
           </a:p>
@@ -1375,7 +1375,7 @@
           <a:p>
             <a:fld id="{4509A250-FF31-4206-8172-F9D3106AACB1}" type="datetimeFigureOut">
               <a:rPr lang="en-US" dirty="0"/>
-              <a:t>6/11/2017</a:t>
+              <a:t>6/12/2017</a:t>
             </a:fld>
             <a:endParaRPr lang="en-US" dirty="0"/>
           </a:p>
@@ -1993,7 +1993,7 @@
           <a:p>
             <a:fld id="{4509A250-FF31-4206-8172-F9D3106AACB1}" type="datetimeFigureOut">
               <a:rPr lang="en-US" dirty="0"/>
-              <a:t>6/11/2017</a:t>
+              <a:t>6/12/2017</a:t>
             </a:fld>
             <a:endParaRPr lang="en-US" dirty="0"/>
           </a:p>
@@ -2848,7 +2848,7 @@
           <a:p>
             <a:fld id="{4509A250-FF31-4206-8172-F9D3106AACB1}" type="datetimeFigureOut">
               <a:rPr lang="en-US" dirty="0"/>
-              <a:t>6/11/2017</a:t>
+              <a:t>6/12/2017</a:t>
             </a:fld>
             <a:endParaRPr lang="en-US" dirty="0"/>
           </a:p>
@@ -3013,7 +3013,7 @@
           <a:p>
             <a:fld id="{4509A250-FF31-4206-8172-F9D3106AACB1}" type="datetimeFigureOut">
               <a:rPr lang="en-US" dirty="0"/>
-              <a:t>6/11/2017</a:t>
+              <a:t>6/12/2017</a:t>
             </a:fld>
             <a:endParaRPr lang="en-US" dirty="0"/>
           </a:p>
@@ -3188,7 +3188,7 @@
           <a:p>
             <a:fld id="{4509A250-FF31-4206-8172-F9D3106AACB1}" type="datetimeFigureOut">
               <a:rPr lang="en-US" dirty="0"/>
-              <a:t>6/11/2017</a:t>
+              <a:t>6/12/2017</a:t>
             </a:fld>
             <a:endParaRPr lang="en-US" dirty="0"/>
           </a:p>
@@ -3353,7 +3353,7 @@
           <a:p>
             <a:fld id="{4509A250-FF31-4206-8172-F9D3106AACB1}" type="datetimeFigureOut">
               <a:rPr lang="en-US" dirty="0"/>
-              <a:t>6/11/2017</a:t>
+              <a:t>6/12/2017</a:t>
             </a:fld>
             <a:endParaRPr lang="en-US" dirty="0"/>
           </a:p>
@@ -3595,7 +3595,7 @@
           <a:p>
             <a:fld id="{9796027F-7875-4030-9381-8BD8C4F21935}" type="datetimeFigureOut">
               <a:rPr lang="en-US" dirty="0"/>
-              <a:t>6/11/2017</a:t>
+              <a:t>6/12/2017</a:t>
             </a:fld>
             <a:endParaRPr lang="en-US" dirty="0"/>
           </a:p>
@@ -3882,7 +3882,7 @@
           <a:p>
             <a:fld id="{9796027F-7875-4030-9381-8BD8C4F21935}" type="datetimeFigureOut">
               <a:rPr lang="en-US" dirty="0"/>
-              <a:t>6/11/2017</a:t>
+              <a:t>6/12/2017</a:t>
             </a:fld>
             <a:endParaRPr lang="en-US" dirty="0"/>
           </a:p>
@@ -4321,7 +4321,7 @@
           <a:p>
             <a:fld id="{9796027F-7875-4030-9381-8BD8C4F21935}" type="datetimeFigureOut">
               <a:rPr lang="en-US" dirty="0"/>
-              <a:t>6/11/2017</a:t>
+              <a:t>6/12/2017</a:t>
             </a:fld>
             <a:endParaRPr lang="en-US" dirty="0"/>
           </a:p>
@@ -4434,7 +4434,7 @@
           <a:p>
             <a:fld id="{4509A250-FF31-4206-8172-F9D3106AACB1}" type="datetimeFigureOut">
               <a:rPr lang="en-US" dirty="0"/>
-              <a:t>6/11/2017</a:t>
+              <a:t>6/12/2017</a:t>
             </a:fld>
             <a:endParaRPr lang="en-US" dirty="0"/>
           </a:p>
@@ -4524,7 +4524,7 @@
           <a:p>
             <a:fld id="{4509A250-FF31-4206-8172-F9D3106AACB1}" type="datetimeFigureOut">
               <a:rPr lang="en-US" dirty="0"/>
-              <a:t>6/11/2017</a:t>
+              <a:t>6/12/2017</a:t>
             </a:fld>
             <a:endParaRPr lang="en-US" dirty="0"/>
           </a:p>
@@ -4798,7 +4798,7 @@
           <a:p>
             <a:fld id="{4509A250-FF31-4206-8172-F9D3106AACB1}" type="datetimeFigureOut">
               <a:rPr lang="en-US" dirty="0"/>
-              <a:t>6/11/2017</a:t>
+              <a:t>6/12/2017</a:t>
             </a:fld>
             <a:endParaRPr lang="en-US" dirty="0"/>
           </a:p>
@@ -5068,7 +5068,7 @@
           <a:p>
             <a:fld id="{4509A250-FF31-4206-8172-F9D3106AACB1}" type="datetimeFigureOut">
               <a:rPr lang="en-US" dirty="0"/>
-              <a:t>6/11/2017</a:t>
+              <a:t>6/12/2017</a:t>
             </a:fld>
             <a:endParaRPr lang="en-US" dirty="0"/>
           </a:p>
@@ -5492,7 +5492,7 @@
           <a:p>
             <a:fld id="{4AAD347D-5ACD-4C99-B74B-A9C85AD731AF}" type="datetimeFigureOut">
               <a:rPr lang="en-US" dirty="0"/>
-              <a:t>6/11/2017</a:t>
+              <a:t>6/12/2017</a:t>
             </a:fld>
             <a:endParaRPr lang="en-US" dirty="0"/>
           </a:p>
@@ -6154,25 +6154,22 @@
         </p:nvSpPr>
         <p:spPr/>
         <p:txBody>
-          <a:bodyPr/>
+          <a:bodyPr>
+            <a:normAutofit/>
+          </a:bodyPr>
           <a:lstStyle/>
           <a:p>
-            <a:pPr lvl="1"/>
+            <a:pPr marL="285750" indent="-285750">
+              <a:buFont typeface="Arial" panose="020B0604020202020204" pitchFamily="34" charset="0"/>
+              <a:buChar char="•"/>
+            </a:pPr>
             <a:r>
               <a:rPr lang="da-DK" dirty="0" err="1"/>
               <a:t>Splash</a:t>
             </a:r>
             <a:r>
               <a:rPr lang="da-DK" dirty="0"/>
-              <a:t> screen, </a:t>
-            </a:r>
-            <a:r>
-              <a:rPr lang="da-DK" dirty="0" err="1"/>
-              <a:t>Tabbed</a:t>
-            </a:r>
-            <a:r>
-              <a:rPr lang="da-DK" dirty="0"/>
-              <a:t> Layout, Shared </a:t>
+              <a:t> screen, Shared </a:t>
             </a:r>
             <a:r>
               <a:rPr lang="da-DK" dirty="0" err="1"/>
@@ -6180,15 +6177,15 @@
             </a:r>
             <a:r>
               <a:rPr lang="da-DK" dirty="0"/>
-              <a:t>, </a:t>
+              <a:t>, Managers, Ressource, Intents, </a:t>
             </a:r>
             <a:r>
               <a:rPr lang="da-DK" dirty="0" err="1"/>
-              <a:t>ContentProviders</a:t>
+              <a:t>Activities</a:t>
             </a:r>
             <a:r>
               <a:rPr lang="da-DK" dirty="0"/>
-              <a:t>, Managers, Ressource,</a:t>
+              <a:t>, Service, Broadcast Receiver, Adapters, Fragments, Storage</a:t>
             </a:r>
           </a:p>
           <a:p>
@@ -6260,13 +6257,16 @@
             </a:r>
             <a:r>
               <a:rPr lang="da-DK" dirty="0"/>
-              <a:t>, Google Play Services, </a:t>
+              <a:t>, </a:t>
             </a:r>
             <a:r>
               <a:rPr lang="da-DK" dirty="0" err="1"/>
-              <a:t>Documentation</a:t>
-            </a:r>
-            <a:endParaRPr lang="da-DK" dirty="0"/>
+              <a:t>Easy</a:t>
+            </a:r>
+            <a:r>
+              <a:rPr lang="da-DK" dirty="0"/>
+              <a:t> to start, </a:t>
+            </a:r>
           </a:p>
           <a:p>
             <a:pPr lvl="1"/>
@@ -6278,8 +6278,12 @@
           <a:p>
             <a:pPr lvl="2"/>
             <a:r>
+              <a:rPr lang="da-DK" dirty="0"/>
+              <a:t>Devices and versions, </a:t>
+            </a:r>
+            <a:r>
               <a:rPr lang="da-DK" dirty="0" err="1"/>
-              <a:t>Bloated</a:t>
+              <a:t>Changing</a:t>
             </a:r>
             <a:r>
               <a:rPr lang="da-DK" dirty="0"/>
@@ -6287,17 +6291,12 @@
             </a:r>
             <a:r>
               <a:rPr lang="da-DK" dirty="0" err="1"/>
-              <a:t>code</a:t>
+              <a:t>oritation</a:t>
             </a:r>
             <a:r>
               <a:rPr lang="da-DK" dirty="0"/>
-              <a:t>, </a:t>
-            </a:r>
-            <a:r>
-              <a:rPr lang="da-DK" dirty="0" err="1"/>
-              <a:t>Documentation</a:t>
-            </a:r>
-            <a:endParaRPr lang="da-DK" dirty="0"/>
+              <a:t> </a:t>
+            </a:r>
           </a:p>
         </p:txBody>
       </p:sp>
@@ -6877,7 +6876,7 @@
         <p:spPr>
           <a:xfrm>
             <a:off x="5696123" y="1711354"/>
-            <a:ext cx="5377344" cy="2031325"/>
+            <a:ext cx="5377344" cy="1754326"/>
           </a:xfrm>
           <a:prstGeom prst="rect">
             <a:avLst/>
@@ -6895,19 +6894,10 @@
               <a:buChar char="•"/>
             </a:pPr>
             <a:r>
-              <a:rPr lang="da-DK" dirty="0"/>
+              <a:rPr lang="da-DK" dirty="0" err="1"/>
               <a:t>Activities</a:t>
             </a:r>
-          </a:p>
-          <a:p>
-            <a:pPr marL="285750" indent="-285750">
-              <a:buFont typeface="Arial" panose="020B0604020202020204" pitchFamily="34" charset="0"/>
-              <a:buChar char="•"/>
-            </a:pPr>
-            <a:r>
-              <a:rPr lang="da-DK" dirty="0"/>
-              <a:t>Intents</a:t>
-            </a:r>
+            <a:endParaRPr lang="da-DK" dirty="0"/>
           </a:p>
           <a:p>
             <a:pPr marL="285750" indent="-285750">
@@ -7108,9 +7098,10 @@
           <a:lstStyle/>
           <a:p>
             <a:r>
-              <a:rPr lang="da-DK" dirty="0"/>
-              <a:t>Activities &amp; Intents</a:t>
-            </a:r>
+              <a:rPr lang="da-DK" dirty="0" err="1"/>
+              <a:t>Activities</a:t>
+            </a:r>
+            <a:endParaRPr lang="da-DK" dirty="0"/>
           </a:p>
         </p:txBody>
       </p:sp>
